--- a/sem6/HURT/lab11-projekt-etap4/presentation.pptx
+++ b/sem6/HURT/lab11-projekt-etap4/presentation.pptx
@@ -7,13 +7,12 @@
   <p:sldIdLst>
     <p:sldId id="256" r:id="rId2"/>
     <p:sldId id="257" r:id="rId3"/>
-    <p:sldId id="258" r:id="rId4"/>
-    <p:sldId id="259" r:id="rId5"/>
-    <p:sldId id="260" r:id="rId6"/>
-    <p:sldId id="261" r:id="rId7"/>
-    <p:sldId id="263" r:id="rId8"/>
-    <p:sldId id="262" r:id="rId9"/>
-    <p:sldId id="264" r:id="rId10"/>
+    <p:sldId id="265" r:id="rId4"/>
+    <p:sldId id="260" r:id="rId5"/>
+    <p:sldId id="261" r:id="rId6"/>
+    <p:sldId id="263" r:id="rId7"/>
+    <p:sldId id="262" r:id="rId8"/>
+    <p:sldId id="264" r:id="rId9"/>
   </p:sldIdLst>
   <p:sldSz cx="9144000" cy="6858000" type="screen4x3"/>
   <p:notesSz cx="6858000" cy="9144000"/>
@@ -294,7 +293,7 @@
           <a:p>
             <a:fld id="{5BCAD085-E8A6-8845-BD4E-CB4CCA059FC4}" type="datetimeFigureOut">
               <a:rPr lang="en-US" smtClean="0"/>
-              <a:t>6/15/2025</a:t>
+              <a:t>6/16/2025</a:t>
             </a:fld>
             <a:endParaRPr lang="en-US"/>
           </a:p>
@@ -464,7 +463,7 @@
           <a:p>
             <a:fld id="{5BCAD085-E8A6-8845-BD4E-CB4CCA059FC4}" type="datetimeFigureOut">
               <a:rPr lang="en-US" smtClean="0"/>
-              <a:t>6/15/2025</a:t>
+              <a:t>6/16/2025</a:t>
             </a:fld>
             <a:endParaRPr lang="en-US"/>
           </a:p>
@@ -644,7 +643,7 @@
           <a:p>
             <a:fld id="{5BCAD085-E8A6-8845-BD4E-CB4CCA059FC4}" type="datetimeFigureOut">
               <a:rPr lang="en-US" smtClean="0"/>
-              <a:t>6/15/2025</a:t>
+              <a:t>6/16/2025</a:t>
             </a:fld>
             <a:endParaRPr lang="en-US"/>
           </a:p>
@@ -814,7 +813,7 @@
           <a:p>
             <a:fld id="{5BCAD085-E8A6-8845-BD4E-CB4CCA059FC4}" type="datetimeFigureOut">
               <a:rPr lang="en-US" smtClean="0"/>
-              <a:t>6/15/2025</a:t>
+              <a:t>6/16/2025</a:t>
             </a:fld>
             <a:endParaRPr lang="en-US"/>
           </a:p>
@@ -1082,7 +1081,7 @@
           <a:p>
             <a:fld id="{5BCAD085-E8A6-8845-BD4E-CB4CCA059FC4}" type="datetimeFigureOut">
               <a:rPr lang="en-US" smtClean="0"/>
-              <a:t>6/15/2025</a:t>
+              <a:t>6/16/2025</a:t>
             </a:fld>
             <a:endParaRPr lang="en-US"/>
           </a:p>
@@ -1314,7 +1313,7 @@
           <a:p>
             <a:fld id="{5BCAD085-E8A6-8845-BD4E-CB4CCA059FC4}" type="datetimeFigureOut">
               <a:rPr lang="en-US" smtClean="0"/>
-              <a:t>6/15/2025</a:t>
+              <a:t>6/16/2025</a:t>
             </a:fld>
             <a:endParaRPr lang="en-US"/>
           </a:p>
@@ -1673,7 +1672,7 @@
           <a:p>
             <a:fld id="{5BCAD085-E8A6-8845-BD4E-CB4CCA059FC4}" type="datetimeFigureOut">
               <a:rPr lang="en-US" smtClean="0"/>
-              <a:t>6/15/2025</a:t>
+              <a:t>6/16/2025</a:t>
             </a:fld>
             <a:endParaRPr lang="en-US"/>
           </a:p>
@@ -1814,7 +1813,7 @@
           <a:p>
             <a:fld id="{5BCAD085-E8A6-8845-BD4E-CB4CCA059FC4}" type="datetimeFigureOut">
               <a:rPr lang="en-US" smtClean="0"/>
-              <a:t>6/15/2025</a:t>
+              <a:t>6/16/2025</a:t>
             </a:fld>
             <a:endParaRPr lang="en-US"/>
           </a:p>
@@ -1909,7 +1908,7 @@
           <a:p>
             <a:fld id="{5BCAD085-E8A6-8845-BD4E-CB4CCA059FC4}" type="datetimeFigureOut">
               <a:rPr lang="en-US" smtClean="0"/>
-              <a:t>6/15/2025</a:t>
+              <a:t>6/16/2025</a:t>
             </a:fld>
             <a:endParaRPr lang="en-US"/>
           </a:p>
@@ -2266,7 +2265,7 @@
           <a:p>
             <a:fld id="{5BCAD085-E8A6-8845-BD4E-CB4CCA059FC4}" type="datetimeFigureOut">
               <a:rPr lang="en-US" smtClean="0"/>
-              <a:t>6/15/2025</a:t>
+              <a:t>6/16/2025</a:t>
             </a:fld>
             <a:endParaRPr lang="en-US"/>
           </a:p>
@@ -2625,7 +2624,7 @@
           <a:p>
             <a:fld id="{5BCAD085-E8A6-8845-BD4E-CB4CCA059FC4}" type="datetimeFigureOut">
               <a:rPr lang="en-US" smtClean="0"/>
-              <a:t>6/15/2025</a:t>
+              <a:t>6/16/2025</a:t>
             </a:fld>
             <a:endParaRPr lang="en-US"/>
           </a:p>
@@ -2869,7 +2868,7 @@
           <a:p>
             <a:fld id="{5BCAD085-E8A6-8845-BD4E-CB4CCA059FC4}" type="datetimeFigureOut">
               <a:rPr lang="en-US" smtClean="0"/>
-              <a:t>6/15/2025</a:t>
+              <a:t>6/16/2025</a:t>
             </a:fld>
             <a:endParaRPr lang="en-US"/>
           </a:p>
@@ -3428,24 +3427,39 @@
           <a:lstStyle/>
           <a:p>
             <a:r>
+              <a:rPr lang="pl-PL" dirty="0"/>
+              <a:t>Źródła danych</a:t>
+            </a:r>
+            <a:endParaRPr dirty="0"/>
+          </a:p>
+        </p:txBody>
+      </p:sp>
+      <p:sp>
+        <p:nvSpPr>
+          <p:cNvPr id="3" name="Content Placeholder 2"/>
+          <p:cNvSpPr>
+            <a:spLocks noGrp="1"/>
+          </p:cNvSpPr>
+          <p:nvPr>
+            <p:ph idx="1"/>
+          </p:nvPr>
+        </p:nvSpPr>
+        <p:spPr>
+          <a:xfrm>
+            <a:off x="921284" y="2162132"/>
+            <a:ext cx="7301430" cy="3101983"/>
+          </a:xfrm>
+        </p:spPr>
+        <p:txBody>
+          <a:bodyPr/>
+          <a:lstStyle/>
+          <a:p>
+            <a:pPr marL="0" indent="0">
+              <a:buNone/>
+            </a:pPr>
+            <a:r>
               <a:rPr dirty="0" err="1"/>
-              <a:t>Etap</a:t>
-            </a:r>
-            <a:r>
-              <a:rPr dirty="0"/>
-              <a:t> 1: </a:t>
-            </a:r>
-            <a:r>
-              <a:rPr dirty="0" err="1"/>
-              <a:t>Pozysk</a:t>
-            </a:r>
-            <a:r>
-              <a:rPr lang="pl-PL" dirty="0"/>
-              <a:t>A</a:t>
-            </a:r>
-            <a:r>
-              <a:rPr dirty="0" err="1"/>
-              <a:t>nie</a:t>
+              <a:t>Źródła</a:t>
             </a:r>
             <a:r>
               <a:rPr dirty="0"/>
@@ -3455,45 +3469,6 @@
               <a:rPr dirty="0" err="1"/>
               <a:t>danych</a:t>
             </a:r>
-            <a:endParaRPr dirty="0"/>
-          </a:p>
-        </p:txBody>
-      </p:sp>
-      <p:sp>
-        <p:nvSpPr>
-          <p:cNvPr id="3" name="Content Placeholder 2"/>
-          <p:cNvSpPr>
-            <a:spLocks noGrp="1"/>
-          </p:cNvSpPr>
-          <p:nvPr>
-            <p:ph idx="1"/>
-          </p:nvPr>
-        </p:nvSpPr>
-        <p:spPr>
-          <a:xfrm>
-            <a:off x="1250148" y="2151499"/>
-            <a:ext cx="6643701" cy="3101983"/>
-          </a:xfrm>
-        </p:spPr>
-        <p:txBody>
-          <a:bodyPr/>
-          <a:lstStyle/>
-          <a:p>
-            <a:pPr marL="0" indent="0">
-              <a:buNone/>
-            </a:pPr>
-            <a:r>
-              <a:rPr dirty="0" err="1"/>
-              <a:t>Źródła</a:t>
-            </a:r>
-            <a:r>
-              <a:rPr dirty="0"/>
-              <a:t> </a:t>
-            </a:r>
-            <a:r>
-              <a:rPr dirty="0" err="1"/>
-              <a:t>danych</a:t>
-            </a:r>
             <a:r>
               <a:rPr lang="pl-PL" dirty="0"/>
               <a:t> (</a:t>
@@ -3516,7 +3491,23 @@
             </a:r>
             <a:r>
               <a:rPr dirty="0"/>
-              <a:t> CSV (orders, items, payments, reviews, customers, sellers, products)</a:t>
+              <a:t> CSV (</a:t>
+            </a:r>
+            <a:r>
+              <a:rPr lang="pl-PL" dirty="0"/>
+              <a:t>brazylijska platforma </a:t>
+            </a:r>
+            <a:r>
+              <a:rPr lang="pl-PL" dirty="0" err="1"/>
+              <a:t>ecommerce</a:t>
+            </a:r>
+            <a:r>
+              <a:rPr lang="pl-PL" dirty="0"/>
+              <a:t> 2016-2018, około 100k zamówień</a:t>
+            </a:r>
+            <a:r>
+              <a:rPr dirty="0"/>
+              <a:t>)</a:t>
             </a:r>
           </a:p>
           <a:p>
@@ -3603,7 +3594,13 @@
   <p:cSld>
     <p:spTree>
       <p:nvGrpSpPr>
-        <p:cNvPr id="1" name=""/>
+        <p:cNvPr id="1" name="">
+          <a:extLst>
+            <a:ext uri="{FF2B5EF4-FFF2-40B4-BE49-F238E27FC236}">
+              <a16:creationId xmlns:a16="http://schemas.microsoft.com/office/drawing/2014/main" id="{A940A37F-DE48-94E8-6DE4-5C282730CC13}"/>
+            </a:ext>
+          </a:extLst>
+        </p:cNvPr>
         <p:cNvGrpSpPr/>
         <p:nvPr/>
       </p:nvGrpSpPr>
@@ -3617,289 +3614,183 @@
       </p:grpSpPr>
       <p:sp>
         <p:nvSpPr>
-          <p:cNvPr id="2" name="Title 1"/>
-          <p:cNvSpPr>
-            <a:spLocks noGrp="1"/>
-          </p:cNvSpPr>
-          <p:nvPr>
-            <p:ph type="title"/>
-          </p:nvPr>
-        </p:nvSpPr>
-        <p:spPr>
-          <a:xfrm>
-            <a:off x="1273629" y="626490"/>
-            <a:ext cx="6596742" cy="1188720"/>
-          </a:xfrm>
-        </p:spPr>
-        <p:txBody>
-          <a:bodyPr/>
-          <a:lstStyle/>
-          <a:p>
-            <a:r>
-              <a:rPr dirty="0" err="1"/>
-              <a:t>Etap</a:t>
-            </a:r>
-            <a:r>
-              <a:rPr dirty="0"/>
-              <a:t> 2: </a:t>
-            </a:r>
-            <a:r>
-              <a:rPr lang="pl-PL" dirty="0"/>
-              <a:t>Proces ETL</a:t>
-            </a:r>
-            <a:endParaRPr dirty="0"/>
-          </a:p>
-        </p:txBody>
-      </p:sp>
-      <p:sp>
-        <p:nvSpPr>
-          <p:cNvPr id="3" name="Content Placeholder 2"/>
-          <p:cNvSpPr>
-            <a:spLocks noGrp="1"/>
-          </p:cNvSpPr>
-          <p:nvPr>
-            <p:ph idx="1"/>
-          </p:nvPr>
-        </p:nvSpPr>
-        <p:spPr>
-          <a:xfrm>
-            <a:off x="-101998" y="2062064"/>
-            <a:ext cx="2532049" cy="4609323"/>
-          </a:xfrm>
-        </p:spPr>
-        <p:txBody>
-          <a:bodyPr>
-            <a:normAutofit lnSpcReduction="10000"/>
-          </a:bodyPr>
-          <a:lstStyle/>
-          <a:p>
-            <a:pPr marL="571500" lvl="1" indent="-342900">
-              <a:buFont typeface="+mj-lt"/>
-              <a:buAutoNum type="arabicPeriod"/>
-            </a:pPr>
-            <a:r>
-              <a:rPr lang="pl-PL" dirty="0"/>
-              <a:t>Stworzenie tabel </a:t>
-            </a:r>
-            <a:r>
-              <a:rPr lang="pl-PL" dirty="0" err="1"/>
-              <a:t>Stage</a:t>
-            </a:r>
-            <a:endParaRPr lang="pl-PL" dirty="0"/>
-          </a:p>
-          <a:p>
-            <a:pPr marL="571500" lvl="1" indent="-342900">
-              <a:buFont typeface="+mj-lt"/>
-              <a:buAutoNum type="arabicPeriod"/>
-            </a:pPr>
-            <a:r>
-              <a:rPr dirty="0" err="1"/>
-              <a:t>Wczytanie</a:t>
-            </a:r>
-            <a:r>
-              <a:rPr dirty="0"/>
-              <a:t> </a:t>
-            </a:r>
-            <a:r>
-              <a:rPr lang="pl-PL" dirty="0"/>
-              <a:t>danych z </a:t>
-            </a:r>
-            <a:r>
-              <a:rPr dirty="0"/>
-              <a:t>CSV </a:t>
-            </a:r>
-            <a:r>
-              <a:rPr lang="pl-PL" dirty="0"/>
-              <a:t>do </a:t>
-            </a:r>
-            <a:r>
-              <a:rPr dirty="0" err="1"/>
-              <a:t>tabel</a:t>
-            </a:r>
-            <a:r>
-              <a:rPr lang="pl-PL" dirty="0"/>
-              <a:t> </a:t>
-            </a:r>
-            <a:r>
-              <a:rPr dirty="0"/>
-              <a:t>Stage</a:t>
-            </a:r>
-          </a:p>
-          <a:p>
-            <a:pPr marL="571500" lvl="1" indent="-342900">
-              <a:buFont typeface="+mj-lt"/>
-              <a:buAutoNum type="arabicPeriod"/>
-            </a:pPr>
-            <a:r>
-              <a:rPr dirty="0" err="1"/>
-              <a:t>Czyszczenie</a:t>
-            </a:r>
-            <a:r>
-              <a:rPr dirty="0"/>
-              <a:t> </a:t>
-            </a:r>
-            <a:r>
-              <a:rPr dirty="0" err="1"/>
-              <a:t>i</a:t>
-            </a:r>
-            <a:r>
-              <a:rPr dirty="0"/>
-              <a:t> </a:t>
-            </a:r>
-            <a:r>
-              <a:rPr dirty="0" err="1"/>
-              <a:t>wzbogacanie</a:t>
-            </a:r>
-            <a:r>
-              <a:rPr dirty="0"/>
-              <a:t> </a:t>
-            </a:r>
-            <a:r>
-              <a:rPr lang="pl-PL" dirty="0"/>
-              <a:t>danych </a:t>
-            </a:r>
-            <a:r>
-              <a:rPr dirty="0"/>
-              <a:t>(fuzzy lookup,</a:t>
-            </a:r>
-            <a:r>
-              <a:rPr lang="pl-PL" dirty="0"/>
-              <a:t> </a:t>
-            </a:r>
-            <a:r>
-              <a:rPr lang="pl-PL" dirty="0" err="1"/>
-              <a:t>derived</a:t>
-            </a:r>
-            <a:r>
-              <a:rPr lang="pl-PL" dirty="0"/>
-              <a:t> </a:t>
-            </a:r>
-            <a:r>
-              <a:rPr lang="pl-PL" dirty="0" err="1"/>
-              <a:t>column</a:t>
-            </a:r>
-            <a:r>
-              <a:rPr lang="pl-PL" dirty="0"/>
-              <a:t> itd.)</a:t>
-            </a:r>
-          </a:p>
-          <a:p>
-            <a:pPr marL="571500" lvl="1" indent="-342900">
-              <a:buFont typeface="+mj-lt"/>
-              <a:buAutoNum type="arabicPeriod"/>
-            </a:pPr>
-            <a:r>
-              <a:rPr lang="pl-PL" dirty="0"/>
-              <a:t>T</a:t>
-            </a:r>
-            <a:r>
-              <a:rPr dirty="0" err="1"/>
-              <a:t>worzenie</a:t>
-            </a:r>
-            <a:r>
-              <a:rPr dirty="0"/>
-              <a:t> </a:t>
-            </a:r>
-            <a:r>
-              <a:rPr dirty="0" err="1"/>
-              <a:t>tabel</a:t>
-            </a:r>
-            <a:r>
-              <a:rPr dirty="0"/>
-              <a:t> DW (</a:t>
-            </a:r>
-            <a:r>
-              <a:rPr dirty="0" err="1"/>
-              <a:t>wymiary</a:t>
-            </a:r>
-            <a:r>
-              <a:rPr dirty="0"/>
-              <a:t>, </a:t>
-            </a:r>
-            <a:r>
-              <a:rPr dirty="0" err="1"/>
-              <a:t>fakt</a:t>
-            </a:r>
-            <a:r>
-              <a:rPr dirty="0"/>
-              <a:t>)</a:t>
-            </a:r>
-          </a:p>
-          <a:p>
-            <a:pPr marL="571500" lvl="1" indent="-342900">
-              <a:buFont typeface="+mj-lt"/>
-              <a:buAutoNum type="arabicPeriod"/>
-            </a:pPr>
-            <a:r>
-              <a:rPr dirty="0" err="1"/>
-              <a:t>Ładowanie</a:t>
-            </a:r>
-            <a:r>
-              <a:rPr dirty="0"/>
-              <a:t> </a:t>
-            </a:r>
-            <a:r>
-              <a:rPr dirty="0" err="1"/>
-              <a:t>danych</a:t>
-            </a:r>
-            <a:r>
-              <a:rPr dirty="0"/>
-              <a:t> </a:t>
-            </a:r>
-            <a:r>
-              <a:rPr dirty="0" err="1"/>
-              <a:t>przyrostowo</a:t>
-            </a:r>
-            <a:r>
-              <a:rPr dirty="0"/>
-              <a:t> (MERGE/INSERT)</a:t>
-            </a:r>
-            <a:endParaRPr lang="pl-PL" dirty="0"/>
-          </a:p>
-          <a:p>
-            <a:pPr marL="571500" lvl="1" indent="-342900">
-              <a:buFont typeface="+mj-lt"/>
-              <a:buAutoNum type="arabicPeriod"/>
-            </a:pPr>
-            <a:r>
-              <a:rPr lang="pl-PL" dirty="0"/>
-              <a:t>Walidacja danych (np. sprawdzenie czy liczba rekordów się zgadza)</a:t>
-            </a:r>
-            <a:endParaRPr dirty="0"/>
-          </a:p>
-        </p:txBody>
-      </p:sp>
-      <p:pic>
-        <p:nvPicPr>
-          <p:cNvPr id="7" name="Obraz 6">
+          <p:cNvPr id="2" name="Title 1">
             <a:extLst>
               <a:ext uri="{FF2B5EF4-FFF2-40B4-BE49-F238E27FC236}">
-                <a16:creationId xmlns:a16="http://schemas.microsoft.com/office/drawing/2014/main" id="{845B98DF-A840-DF6D-4915-2E673B6FA6A7}"/>
+                <a16:creationId xmlns:a16="http://schemas.microsoft.com/office/drawing/2014/main" id="{904769B6-C4FA-4567-62A5-37625334383D}"/>
               </a:ext>
             </a:extLst>
           </p:cNvPr>
-          <p:cNvPicPr>
-            <a:picLocks noChangeAspect="1"/>
-          </p:cNvPicPr>
-          <p:nvPr/>
-        </p:nvPicPr>
-        <p:blipFill>
-          <a:blip r:embed="rId2"/>
-          <a:stretch>
-            <a:fillRect/>
-          </a:stretch>
-        </p:blipFill>
+          <p:cNvSpPr>
+            <a:spLocks noGrp="1"/>
+          </p:cNvSpPr>
+          <p:nvPr>
+            <p:ph type="title"/>
+          </p:nvPr>
+        </p:nvSpPr>
         <p:spPr>
           <a:xfrm>
-            <a:off x="2430051" y="2274317"/>
-            <a:ext cx="6596742" cy="3779038"/>
+            <a:off x="1097384" y="573359"/>
+            <a:ext cx="6949232" cy="1188720"/>
           </a:xfrm>
-          <a:prstGeom prst="rect">
-            <a:avLst/>
-          </a:prstGeom>
         </p:spPr>
-      </p:pic>
+        <p:txBody>
+          <a:bodyPr/>
+          <a:lstStyle/>
+          <a:p>
+            <a:r>
+              <a:rPr lang="pl-PL" dirty="0"/>
+              <a:t>Kostka </a:t>
+            </a:r>
+            <a:r>
+              <a:rPr lang="pl-PL" dirty="0" err="1"/>
+              <a:t>olap</a:t>
+            </a:r>
+            <a:endParaRPr dirty="0"/>
+          </a:p>
+        </p:txBody>
+      </p:sp>
+      <p:sp>
+        <p:nvSpPr>
+          <p:cNvPr id="3" name="Content Placeholder 2">
+            <a:extLst>
+              <a:ext uri="{FF2B5EF4-FFF2-40B4-BE49-F238E27FC236}">
+                <a16:creationId xmlns:a16="http://schemas.microsoft.com/office/drawing/2014/main" id="{90F4C236-4395-2B7A-4175-7DBF0A288B62}"/>
+              </a:ext>
+            </a:extLst>
+          </p:cNvPr>
+          <p:cNvSpPr>
+            <a:spLocks noGrp="1"/>
+          </p:cNvSpPr>
+          <p:nvPr>
+            <p:ph idx="1"/>
+          </p:nvPr>
+        </p:nvSpPr>
+        <p:spPr>
+          <a:xfrm>
+            <a:off x="1097384" y="2399199"/>
+            <a:ext cx="7301430" cy="3535934"/>
+          </a:xfrm>
+        </p:spPr>
+        <p:txBody>
+          <a:bodyPr>
+            <a:normAutofit/>
+          </a:bodyPr>
+          <a:lstStyle/>
+          <a:p>
+            <a:pPr marL="0" indent="0">
+              <a:buNone/>
+            </a:pPr>
+            <a:r>
+              <a:rPr lang="pl-PL" dirty="0"/>
+              <a:t>Wymiary i fakty:</a:t>
+            </a:r>
+          </a:p>
+          <a:p>
+            <a:pPr lvl="1"/>
+            <a:r>
+              <a:rPr lang="pl-PL" dirty="0" err="1"/>
+              <a:t>TimeDim</a:t>
+            </a:r>
+            <a:r>
+              <a:rPr lang="pl-PL" dirty="0"/>
+              <a:t> (rok, kwartał, miesiąc, dzień tygodnia, godzina, weekend)</a:t>
+            </a:r>
+          </a:p>
+          <a:p>
+            <a:pPr lvl="1"/>
+            <a:r>
+              <a:rPr lang="pl-PL" dirty="0" err="1"/>
+              <a:t>CustomerDim</a:t>
+            </a:r>
+            <a:r>
+              <a:rPr lang="pl-PL" dirty="0"/>
+              <a:t>, </a:t>
+            </a:r>
+            <a:r>
+              <a:rPr lang="pl-PL" dirty="0" err="1"/>
+              <a:t>SellerDim</a:t>
+            </a:r>
+            <a:r>
+              <a:rPr lang="pl-PL" dirty="0"/>
+              <a:t> (miasto, stan, region, gęstość zaludnienia miasta, powierzchnia, </a:t>
+            </a:r>
+            <a:r>
+              <a:rPr lang="pl-PL" dirty="0" err="1"/>
+              <a:t>gdp</a:t>
+            </a:r>
+            <a:r>
+              <a:rPr lang="pl-PL" dirty="0"/>
+              <a:t> per capita, populacja)</a:t>
+            </a:r>
+          </a:p>
+          <a:p>
+            <a:pPr lvl="1"/>
+            <a:r>
+              <a:rPr lang="pl-PL" dirty="0" err="1"/>
+              <a:t>CustomerDim</a:t>
+            </a:r>
+            <a:r>
+              <a:rPr lang="pl-PL" dirty="0"/>
+              <a:t> posiada także dodatkową miarę kalkulowaną „</a:t>
+            </a:r>
+            <a:r>
+              <a:rPr lang="pl-PL" dirty="0" err="1"/>
+              <a:t>tag</a:t>
+            </a:r>
+            <a:r>
+              <a:rPr lang="pl-PL" dirty="0"/>
+              <a:t>” mówiącą czy jest on nowym czy powracającym klientem.</a:t>
+            </a:r>
+          </a:p>
+          <a:p>
+            <a:pPr lvl="1"/>
+            <a:r>
+              <a:rPr lang="pl-PL" dirty="0" err="1"/>
+              <a:t>ProductDim</a:t>
+            </a:r>
+            <a:r>
+              <a:rPr lang="pl-PL" dirty="0"/>
+              <a:t> (kategoria produktu przetłumaczona na język angielski), </a:t>
+            </a:r>
+            <a:r>
+              <a:rPr lang="pl-PL" dirty="0" err="1"/>
+              <a:t>PaymentDim</a:t>
+            </a:r>
+            <a:r>
+              <a:rPr lang="pl-PL" dirty="0"/>
+              <a:t> (typ płatności), </a:t>
+            </a:r>
+            <a:r>
+              <a:rPr lang="pl-PL" dirty="0" err="1"/>
+              <a:t>ReviewDim</a:t>
+            </a:r>
+            <a:endParaRPr lang="pl-PL" dirty="0"/>
+          </a:p>
+          <a:p>
+            <a:pPr lvl="1"/>
+            <a:endParaRPr lang="pl-PL" dirty="0"/>
+          </a:p>
+          <a:p>
+            <a:pPr lvl="1"/>
+            <a:r>
+              <a:rPr lang="pl-PL" dirty="0" err="1"/>
+              <a:t>FactOrders</a:t>
+            </a:r>
+            <a:r>
+              <a:rPr lang="pl-PL" dirty="0"/>
+              <a:t> (każdorazowy zakup pojedynczego produktu)</a:t>
+            </a:r>
+            <a:endParaRPr dirty="0"/>
+          </a:p>
+        </p:txBody>
+      </p:sp>
     </p:spTree>
+    <p:extLst>
+      <p:ext uri="{BB962C8B-B14F-4D97-AF65-F5344CB8AC3E}">
+        <p14:creationId xmlns:p14="http://schemas.microsoft.com/office/powerpoint/2010/main" val="3429680674"/>
+      </p:ext>
+    </p:extLst>
   </p:cSld>
   <p:clrMapOvr>
     <a:masterClrMapping/>
@@ -3940,13 +3831,10 @@
           <a:lstStyle/>
           <a:p>
             <a:r>
-              <a:rPr dirty="0" err="1"/>
-              <a:t>Etap</a:t>
-            </a:r>
-            <a:r>
-              <a:rPr dirty="0"/>
-              <a:t> 3: Kostka OLAP</a:t>
-            </a:r>
+              <a:rPr lang="pl-PL" dirty="0" err="1"/>
+              <a:t>ANALiZy</a:t>
+            </a:r>
+            <a:endParaRPr dirty="0"/>
           </a:p>
         </p:txBody>
       </p:sp>
@@ -3962,38 +3850,20 @@
         </p:nvSpPr>
         <p:spPr>
           <a:xfrm>
-            <a:off x="1544806" y="2638045"/>
-            <a:ext cx="6054388" cy="3101983"/>
+            <a:off x="573833" y="2635527"/>
+            <a:ext cx="7996334" cy="3101983"/>
           </a:xfrm>
         </p:spPr>
         <p:txBody>
-          <a:bodyPr>
-            <a:normAutofit/>
-          </a:bodyPr>
+          <a:bodyPr/>
           <a:lstStyle/>
           <a:p>
             <a:pPr marL="0" indent="0">
               <a:buNone/>
             </a:pPr>
             <a:r>
-              <a:rPr dirty="0" err="1"/>
-              <a:t>Wymiary</a:t>
-            </a:r>
-            <a:r>
-              <a:rPr dirty="0"/>
-              <a:t> </a:t>
-            </a:r>
-            <a:r>
-              <a:rPr dirty="0" err="1"/>
-              <a:t>i</a:t>
-            </a:r>
-            <a:r>
-              <a:rPr dirty="0"/>
-              <a:t> </a:t>
-            </a:r>
-            <a:r>
-              <a:rPr dirty="0" err="1"/>
-              <a:t>fakty</a:t>
+              <a:rPr lang="pl-PL" dirty="0"/>
+              <a:t>Wybrane analizy</a:t>
             </a:r>
             <a:r>
               <a:rPr dirty="0"/>
@@ -4001,184 +3871,34 @@
             </a:r>
           </a:p>
           <a:p>
-            <a:pPr lvl="1"/>
-            <a:r>
-              <a:rPr dirty="0" err="1"/>
-              <a:t>TimeDim</a:t>
-            </a:r>
-            <a:r>
-              <a:rPr dirty="0"/>
-              <a:t> (</a:t>
-            </a:r>
-            <a:r>
-              <a:rPr dirty="0" err="1"/>
-              <a:t>rok</a:t>
-            </a:r>
-            <a:r>
-              <a:rPr dirty="0"/>
-              <a:t>, </a:t>
-            </a:r>
+            <a:pPr marL="571500" lvl="1" indent="-342900">
+              <a:buFont typeface="+mj-lt"/>
+              <a:buAutoNum type="arabicPeriod"/>
+            </a:pPr>
             <a:r>
               <a:rPr lang="pl-PL" dirty="0"/>
-              <a:t>kwartał, </a:t>
-            </a:r>
-            <a:r>
-              <a:rPr dirty="0" err="1"/>
-              <a:t>miesiąc</a:t>
-            </a:r>
-            <a:r>
-              <a:rPr dirty="0"/>
-              <a:t>, </a:t>
-            </a:r>
-            <a:r>
-              <a:rPr dirty="0" err="1"/>
-              <a:t>dzień</a:t>
-            </a:r>
-            <a:r>
-              <a:rPr dirty="0"/>
-              <a:t> </a:t>
-            </a:r>
-            <a:r>
-              <a:rPr dirty="0" err="1"/>
-              <a:t>tygodnia</a:t>
-            </a:r>
-            <a:r>
-              <a:rPr dirty="0"/>
-              <a:t>, </a:t>
-            </a:r>
-            <a:r>
-              <a:rPr dirty="0" err="1"/>
-              <a:t>godzina</a:t>
-            </a:r>
+              <a:t>Średni czas dostawy w kolejnych kwartałach w różnych regionach</a:t>
+            </a:r>
+            <a:endParaRPr dirty="0"/>
+          </a:p>
+          <a:p>
+            <a:pPr marL="571500" lvl="1" indent="-342900">
+              <a:buFont typeface="+mj-lt"/>
+              <a:buAutoNum type="arabicPeriod"/>
+            </a:pPr>
             <a:r>
               <a:rPr lang="pl-PL" dirty="0"/>
-              <a:t>, weekend</a:t>
-            </a:r>
-            <a:r>
-              <a:rPr dirty="0"/>
-              <a:t>)</a:t>
-            </a:r>
-          </a:p>
-          <a:p>
-            <a:pPr lvl="1"/>
-            <a:r>
-              <a:rPr dirty="0" err="1"/>
-              <a:t>CustomerDim</a:t>
-            </a:r>
-            <a:r>
-              <a:rPr dirty="0"/>
-              <a:t>, </a:t>
-            </a:r>
-            <a:r>
-              <a:rPr dirty="0" err="1"/>
-              <a:t>SellerDim</a:t>
-            </a:r>
-            <a:r>
-              <a:rPr dirty="0"/>
-              <a:t> (</a:t>
-            </a:r>
-            <a:r>
-              <a:rPr dirty="0" err="1"/>
-              <a:t>miasto</a:t>
-            </a:r>
-            <a:r>
-              <a:rPr dirty="0"/>
-              <a:t>, stan, </a:t>
-            </a:r>
+              <a:t>Sprzedaż w poszczególnych godzinach dnia dla dni tygodnia pracującego oraz weekendu</a:t>
+            </a:r>
+          </a:p>
+          <a:p>
+            <a:pPr marL="571500" lvl="1" indent="-342900">
+              <a:buFont typeface="+mj-lt"/>
+              <a:buAutoNum type="arabicPeriod"/>
+            </a:pPr>
             <a:r>
               <a:rPr lang="pl-PL" dirty="0"/>
-              <a:t>region, </a:t>
-            </a:r>
-            <a:r>
-              <a:rPr dirty="0" err="1"/>
-              <a:t>gęstość</a:t>
-            </a:r>
-            <a:r>
-              <a:rPr lang="pl-PL" dirty="0"/>
-              <a:t> zaludnienia miasta, powierzchnia, </a:t>
-            </a:r>
-            <a:r>
-              <a:rPr lang="pl-PL" dirty="0" err="1"/>
-              <a:t>gdp</a:t>
-            </a:r>
-            <a:r>
-              <a:rPr lang="pl-PL" dirty="0"/>
-              <a:t> per capita, populacja</a:t>
-            </a:r>
-            <a:r>
-              <a:rPr dirty="0"/>
-              <a:t>)</a:t>
-            </a:r>
-            <a:r>
-              <a:rPr lang="pl-PL" dirty="0"/>
-              <a:t> </a:t>
-            </a:r>
-          </a:p>
-          <a:p>
-            <a:pPr lvl="1"/>
-            <a:r>
-              <a:rPr lang="pl-PL" dirty="0" err="1"/>
-              <a:t>CustomerDim</a:t>
-            </a:r>
-            <a:r>
-              <a:rPr lang="pl-PL" dirty="0"/>
-              <a:t> posiada także dodatkową miarę kalkulowaną „</a:t>
-            </a:r>
-            <a:r>
-              <a:rPr lang="pl-PL" dirty="0" err="1"/>
-              <a:t>tag</a:t>
-            </a:r>
-            <a:r>
-              <a:rPr lang="pl-PL" dirty="0"/>
-              <a:t>” mówiącą czy jest on nowym czy powracającym klientem.</a:t>
-            </a:r>
-            <a:endParaRPr dirty="0"/>
-          </a:p>
-          <a:p>
-            <a:pPr lvl="1"/>
-            <a:r>
-              <a:rPr dirty="0" err="1"/>
-              <a:t>ProductDim</a:t>
-            </a:r>
-            <a:r>
-              <a:rPr lang="pl-PL" dirty="0"/>
-              <a:t> (kategoria produktu przetłumaczona na język angielski)</a:t>
-            </a:r>
-            <a:r>
-              <a:rPr dirty="0"/>
-              <a:t>, </a:t>
-            </a:r>
-            <a:r>
-              <a:rPr dirty="0" err="1"/>
-              <a:t>PaymentDim</a:t>
-            </a:r>
-            <a:r>
-              <a:rPr lang="pl-PL" dirty="0"/>
-              <a:t> (typ płatności)</a:t>
-            </a:r>
-            <a:r>
-              <a:rPr dirty="0"/>
-              <a:t>, </a:t>
-            </a:r>
-            <a:r>
-              <a:rPr dirty="0" err="1"/>
-              <a:t>ReviewDim</a:t>
-            </a:r>
-            <a:endParaRPr dirty="0"/>
-          </a:p>
-          <a:p>
-            <a:pPr lvl="1"/>
-            <a:r>
-              <a:rPr dirty="0" err="1"/>
-              <a:t>FactOrders</a:t>
-            </a:r>
-            <a:r>
-              <a:rPr dirty="0"/>
-              <a:t> (</a:t>
-            </a:r>
-            <a:r>
-              <a:rPr lang="pl-PL" dirty="0"/>
-              <a:t>każdorazowy zakup pojedynczego produktu)</a:t>
+              <a:t>Średni czas dostawy dla miast o różnych gęstościach zaludnienia w różnych miesiącach</a:t>
             </a:r>
             <a:endParaRPr dirty="0"/>
           </a:p>
@@ -4193,128 +3913,6 @@
 </file>
 
 <file path=ppt/slides/slide5.xml><?xml version="1.0" encoding="utf-8"?>
-<p:sld xmlns:a="http://schemas.openxmlformats.org/drawingml/2006/main" xmlns:r="http://schemas.openxmlformats.org/officeDocument/2006/relationships" xmlns:p="http://schemas.openxmlformats.org/presentationml/2006/main">
-  <p:cSld>
-    <p:spTree>
-      <p:nvGrpSpPr>
-        <p:cNvPr id="1" name=""/>
-        <p:cNvGrpSpPr/>
-        <p:nvPr/>
-      </p:nvGrpSpPr>
-      <p:grpSpPr>
-        <a:xfrm>
-          <a:off x="0" y="0"/>
-          <a:ext cx="0" cy="0"/>
-          <a:chOff x="0" y="0"/>
-          <a:chExt cx="0" cy="0"/>
-        </a:xfrm>
-      </p:grpSpPr>
-      <p:sp>
-        <p:nvSpPr>
-          <p:cNvPr id="2" name="Title 1"/>
-          <p:cNvSpPr>
-            <a:spLocks noGrp="1"/>
-          </p:cNvSpPr>
-          <p:nvPr>
-            <p:ph type="title"/>
-          </p:nvPr>
-        </p:nvSpPr>
-        <p:spPr/>
-        <p:txBody>
-          <a:bodyPr/>
-          <a:lstStyle/>
-          <a:p>
-            <a:r>
-              <a:rPr dirty="0" err="1"/>
-              <a:t>Demonstracja</a:t>
-            </a:r>
-            <a:r>
-              <a:rPr dirty="0"/>
-              <a:t> </a:t>
-            </a:r>
-            <a:r>
-              <a:rPr dirty="0" err="1"/>
-              <a:t>wyników</a:t>
-            </a:r>
-            <a:endParaRPr dirty="0"/>
-          </a:p>
-        </p:txBody>
-      </p:sp>
-      <p:sp>
-        <p:nvSpPr>
-          <p:cNvPr id="3" name="Content Placeholder 2"/>
-          <p:cNvSpPr>
-            <a:spLocks noGrp="1"/>
-          </p:cNvSpPr>
-          <p:nvPr>
-            <p:ph idx="1"/>
-          </p:nvPr>
-        </p:nvSpPr>
-        <p:spPr>
-          <a:xfrm>
-            <a:off x="573833" y="2635527"/>
-            <a:ext cx="7996334" cy="3101983"/>
-          </a:xfrm>
-        </p:spPr>
-        <p:txBody>
-          <a:bodyPr/>
-          <a:lstStyle/>
-          <a:p>
-            <a:pPr marL="0" indent="0">
-              <a:buNone/>
-            </a:pPr>
-            <a:r>
-              <a:rPr lang="pl-PL" dirty="0"/>
-              <a:t>Wybrane analizy</a:t>
-            </a:r>
-            <a:r>
-              <a:rPr dirty="0"/>
-              <a:t>:</a:t>
-            </a:r>
-          </a:p>
-          <a:p>
-            <a:pPr marL="571500" lvl="1" indent="-342900">
-              <a:buFont typeface="+mj-lt"/>
-              <a:buAutoNum type="arabicPeriod"/>
-            </a:pPr>
-            <a:r>
-              <a:rPr lang="pl-PL" dirty="0"/>
-              <a:t>Średni czas dostawy w kolejnych kwartałach w różnych regionach</a:t>
-            </a:r>
-            <a:endParaRPr dirty="0"/>
-          </a:p>
-          <a:p>
-            <a:pPr marL="571500" lvl="1" indent="-342900">
-              <a:buFont typeface="+mj-lt"/>
-              <a:buAutoNum type="arabicPeriod"/>
-            </a:pPr>
-            <a:r>
-              <a:rPr lang="pl-PL" dirty="0"/>
-              <a:t>Sprzedaż w poszczególnych godzinach dnia dla dni tygodnia pracującego oraz weekendu</a:t>
-            </a:r>
-          </a:p>
-          <a:p>
-            <a:pPr marL="571500" lvl="1" indent="-342900">
-              <a:buFont typeface="+mj-lt"/>
-              <a:buAutoNum type="arabicPeriod"/>
-            </a:pPr>
-            <a:r>
-              <a:rPr lang="pl-PL" dirty="0"/>
-              <a:t>Średni czas dostawy dla miast o różnych powierzchniach w różnych miesiącach</a:t>
-            </a:r>
-            <a:endParaRPr dirty="0"/>
-          </a:p>
-        </p:txBody>
-      </p:sp>
-    </p:spTree>
-  </p:cSld>
-  <p:clrMapOvr>
-    <a:masterClrMapping/>
-  </p:clrMapOvr>
-</p:sld>
-</file>
-
-<file path=ppt/slides/slide6.xml><?xml version="1.0" encoding="utf-8"?>
 <p:sld xmlns:a="http://schemas.openxmlformats.org/drawingml/2006/main" xmlns:r="http://schemas.openxmlformats.org/officeDocument/2006/relationships" xmlns:p="http://schemas.openxmlformats.org/presentationml/2006/main">
   <p:cSld>
     <p:spTree>
@@ -4410,7 +4008,7 @@
 </p:sld>
 </file>
 
-<file path=ppt/slides/slide7.xml><?xml version="1.0" encoding="utf-8"?>
+<file path=ppt/slides/slide6.xml><?xml version="1.0" encoding="utf-8"?>
 <p:sld xmlns:a="http://schemas.openxmlformats.org/drawingml/2006/main" xmlns:r="http://schemas.openxmlformats.org/officeDocument/2006/relationships" xmlns:p="http://schemas.openxmlformats.org/presentationml/2006/main">
   <p:cSld>
     <p:spTree>
@@ -4512,7 +4110,7 @@
 </p:sld>
 </file>
 
-<file path=ppt/slides/slide8.xml><?xml version="1.0" encoding="utf-8"?>
+<file path=ppt/slides/slide7.xml><?xml version="1.0" encoding="utf-8"?>
 <p:sld xmlns:a="http://schemas.openxmlformats.org/drawingml/2006/main" xmlns:r="http://schemas.openxmlformats.org/officeDocument/2006/relationships" xmlns:p="http://schemas.openxmlformats.org/presentationml/2006/main">
   <p:cSld>
     <p:spTree>
@@ -4551,7 +4149,12 @@
             <p:ph type="title"/>
           </p:nvPr>
         </p:nvSpPr>
-        <p:spPr/>
+        <p:spPr>
+          <a:xfrm>
+            <a:off x="1162855" y="913384"/>
+            <a:ext cx="6818288" cy="1188720"/>
+          </a:xfrm>
+        </p:spPr>
         <p:txBody>
           <a:bodyPr>
             <a:normAutofit fontScale="90000"/>
@@ -4560,7 +4163,7 @@
           <a:p>
             <a:r>
               <a:rPr lang="pl-PL" dirty="0"/>
-              <a:t>Średni czas dostawy dla miast o różnych powierzchniach w różnych miesiącach</a:t>
+              <a:t>Średni czas dostawy dla miast o różnych Gęstościach zaludnienia w różnych miesiącach</a:t>
             </a:r>
             <a:endParaRPr dirty="0"/>
           </a:p>
@@ -4568,10 +4171,10 @@
       </p:sp>
       <p:pic>
         <p:nvPicPr>
-          <p:cNvPr id="7" name="Obraz 6">
+          <p:cNvPr id="4" name="Picture 3">
             <a:extLst>
               <a:ext uri="{FF2B5EF4-FFF2-40B4-BE49-F238E27FC236}">
-                <a16:creationId xmlns:a16="http://schemas.microsoft.com/office/drawing/2014/main" id="{368006BB-1C14-FE73-8855-D8EB56A05625}"/>
+                <a16:creationId xmlns:a16="http://schemas.microsoft.com/office/drawing/2014/main" id="{9AD4BC95-3AE8-7909-B3CE-57E8B71A8B81}"/>
               </a:ext>
             </a:extLst>
           </p:cNvPr>
@@ -4588,8 +4191,8 @@
         </p:blipFill>
         <p:spPr>
           <a:xfrm>
-            <a:off x="356101" y="2770224"/>
-            <a:ext cx="8431797" cy="3032672"/>
+            <a:off x="251351" y="2637464"/>
+            <a:ext cx="8641297" cy="3188110"/>
           </a:xfrm>
           <a:prstGeom prst="rect">
             <a:avLst/>
@@ -4609,7 +4212,7 @@
 </p:sld>
 </file>
 
-<file path=ppt/slides/slide9.xml><?xml version="1.0" encoding="utf-8"?>
+<file path=ppt/slides/slide8.xml><?xml version="1.0" encoding="utf-8"?>
 <p:sld xmlns:a="http://schemas.openxmlformats.org/drawingml/2006/main" xmlns:r="http://schemas.openxmlformats.org/officeDocument/2006/relationships" xmlns:p="http://schemas.openxmlformats.org/presentationml/2006/main">
   <p:cSld>
     <p:spTree>
